--- a/ОРГ/Мировоззрение российского этноса и его созидательный потенциал.pptx
+++ b/ОРГ/Мировоззрение российского этноса и его созидательный потенциал.pptx
@@ -115,6 +115,11 @@
       </a:defRPr>
     </a:lvl9pPr>
   </p:defaultTextStyle>
+  <p:extLst>
+    <p:ext uri="{EFAFB233-063F-42B5-8137-9DF3F51BA10A}">
+      <p15:sldGuideLst xmlns:p15="http://schemas.microsoft.com/office/powerpoint/2012/main"/>
+    </p:ext>
+  </p:extLst>
 </p:presentation>
 </file>
 
@@ -303,7 +308,7 @@
           <a:p>
             <a:fld id="{F90BA415-0C23-466A-AA9C-874C266734F1}" type="datetimeFigureOut">
               <a:rPr lang="en-US" smtClean="0"/>
-              <a:t>4/24/2024</a:t>
+              <a:t>4/26/2024</a:t>
             </a:fld>
             <a:endParaRPr lang="en-US"/>
           </a:p>
@@ -601,7 +606,7 @@
           <a:p>
             <a:fld id="{F90BA415-0C23-466A-AA9C-874C266734F1}" type="datetimeFigureOut">
               <a:rPr lang="en-US" smtClean="0"/>
-              <a:t>4/24/2024</a:t>
+              <a:t>4/26/2024</a:t>
             </a:fld>
             <a:endParaRPr lang="en-US"/>
           </a:p>
@@ -793,7 +798,7 @@
           <a:p>
             <a:fld id="{F90BA415-0C23-466A-AA9C-874C266734F1}" type="datetimeFigureOut">
               <a:rPr lang="en-US" smtClean="0"/>
-              <a:t>4/24/2024</a:t>
+              <a:t>4/26/2024</a:t>
             </a:fld>
             <a:endParaRPr lang="en-US"/>
           </a:p>
@@ -1054,7 +1059,7 @@
           <a:p>
             <a:fld id="{F90BA415-0C23-466A-AA9C-874C266734F1}" type="datetimeFigureOut">
               <a:rPr lang="en-US" smtClean="0"/>
-              <a:t>4/24/2024</a:t>
+              <a:t>4/26/2024</a:t>
             </a:fld>
             <a:endParaRPr lang="en-US"/>
           </a:p>
@@ -1478,7 +1483,7 @@
           <a:p>
             <a:fld id="{F90BA415-0C23-466A-AA9C-874C266734F1}" type="datetimeFigureOut">
               <a:rPr lang="en-US" smtClean="0"/>
-              <a:t>4/24/2024</a:t>
+              <a:t>4/26/2024</a:t>
             </a:fld>
             <a:endParaRPr lang="en-US"/>
           </a:p>
@@ -2015,7 +2020,7 @@
           <a:p>
             <a:fld id="{F90BA415-0C23-466A-AA9C-874C266734F1}" type="datetimeFigureOut">
               <a:rPr lang="en-US" smtClean="0"/>
-              <a:t>4/24/2024</a:t>
+              <a:t>4/26/2024</a:t>
             </a:fld>
             <a:endParaRPr lang="en-US"/>
           </a:p>
@@ -2879,7 +2884,7 @@
           <a:p>
             <a:fld id="{F90BA415-0C23-466A-AA9C-874C266734F1}" type="datetimeFigureOut">
               <a:rPr lang="en-US" smtClean="0"/>
-              <a:t>4/24/2024</a:t>
+              <a:t>4/26/2024</a:t>
             </a:fld>
             <a:endParaRPr lang="en-US"/>
           </a:p>
@@ -3049,7 +3054,7 @@
           <a:p>
             <a:fld id="{F90BA415-0C23-466A-AA9C-874C266734F1}" type="datetimeFigureOut">
               <a:rPr lang="en-US" smtClean="0"/>
-              <a:t>4/24/2024</a:t>
+              <a:t>4/26/2024</a:t>
             </a:fld>
             <a:endParaRPr lang="en-US"/>
           </a:p>
@@ -3233,7 +3238,7 @@
           <a:p>
             <a:fld id="{F90BA415-0C23-466A-AA9C-874C266734F1}" type="datetimeFigureOut">
               <a:rPr lang="en-US" smtClean="0"/>
-              <a:t>4/24/2024</a:t>
+              <a:t>4/26/2024</a:t>
             </a:fld>
             <a:endParaRPr lang="en-US"/>
           </a:p>
@@ -3403,7 +3408,7 @@
           <a:p>
             <a:fld id="{F90BA415-0C23-466A-AA9C-874C266734F1}" type="datetimeFigureOut">
               <a:rPr lang="en-US" smtClean="0"/>
-              <a:t>4/24/2024</a:t>
+              <a:t>4/26/2024</a:t>
             </a:fld>
             <a:endParaRPr lang="en-US"/>
           </a:p>
@@ -3647,7 +3652,7 @@
           <a:p>
             <a:fld id="{F90BA415-0C23-466A-AA9C-874C266734F1}" type="datetimeFigureOut">
               <a:rPr lang="en-US" smtClean="0"/>
-              <a:t>4/24/2024</a:t>
+              <a:t>4/26/2024</a:t>
             </a:fld>
             <a:endParaRPr lang="en-US"/>
           </a:p>
@@ -3883,7 +3888,7 @@
           <a:p>
             <a:fld id="{F90BA415-0C23-466A-AA9C-874C266734F1}" type="datetimeFigureOut">
               <a:rPr lang="en-US" smtClean="0"/>
-              <a:t>4/24/2024</a:t>
+              <a:t>4/26/2024</a:t>
             </a:fld>
             <a:endParaRPr lang="en-US"/>
           </a:p>
@@ -4349,7 +4354,7 @@
           <a:p>
             <a:fld id="{F90BA415-0C23-466A-AA9C-874C266734F1}" type="datetimeFigureOut">
               <a:rPr lang="en-US" smtClean="0"/>
-              <a:t>4/24/2024</a:t>
+              <a:t>4/26/2024</a:t>
             </a:fld>
             <a:endParaRPr lang="en-US"/>
           </a:p>
@@ -4467,7 +4472,7 @@
           <a:p>
             <a:fld id="{F90BA415-0C23-466A-AA9C-874C266734F1}" type="datetimeFigureOut">
               <a:rPr lang="en-US" smtClean="0"/>
-              <a:t>4/24/2024</a:t>
+              <a:t>4/26/2024</a:t>
             </a:fld>
             <a:endParaRPr lang="en-US"/>
           </a:p>
@@ -4562,7 +4567,7 @@
           <a:p>
             <a:fld id="{F90BA415-0C23-466A-AA9C-874C266734F1}" type="datetimeFigureOut">
               <a:rPr lang="en-US" smtClean="0"/>
-              <a:t>4/24/2024</a:t>
+              <a:t>4/26/2024</a:t>
             </a:fld>
             <a:endParaRPr lang="en-US"/>
           </a:p>
@@ -4817,7 +4822,7 @@
           <a:p>
             <a:fld id="{F90BA415-0C23-466A-AA9C-874C266734F1}" type="datetimeFigureOut">
               <a:rPr lang="en-US" smtClean="0"/>
-              <a:t>4/24/2024</a:t>
+              <a:t>4/26/2024</a:t>
             </a:fld>
             <a:endParaRPr lang="en-US"/>
           </a:p>
@@ -5117,7 +5122,7 @@
           <a:p>
             <a:fld id="{F90BA415-0C23-466A-AA9C-874C266734F1}" type="datetimeFigureOut">
               <a:rPr lang="en-US" smtClean="0"/>
-              <a:t>4/24/2024</a:t>
+              <a:t>4/26/2024</a:t>
             </a:fld>
             <a:endParaRPr lang="en-US"/>
           </a:p>
@@ -5351,7 +5356,7 @@
           <a:p>
             <a:fld id="{F90BA415-0C23-466A-AA9C-874C266734F1}" type="datetimeFigureOut">
               <a:rPr lang="en-US" smtClean="0"/>
-              <a:t>4/24/2024</a:t>
+              <a:t>4/26/2024</a:t>
             </a:fld>
             <a:endParaRPr lang="en-US"/>
           </a:p>
@@ -6083,6 +6088,13 @@
             </a:r>
             <a:endParaRPr lang="en-US" dirty="0"/>
           </a:p>
+          <a:p>
+            <a:r>
+              <a:rPr lang="ru-RU"/>
+              <a:t>Кузнецов Илья Александрович</a:t>
+            </a:r>
+            <a:endParaRPr lang="en-US" dirty="0"/>
+          </a:p>
         </p:txBody>
       </p:sp>
     </p:spTree>
